--- a/ppt/IRC.pptx
+++ b/ppt/IRC.pptx
@@ -4260,7 +4260,7 @@
           <a:p>
             <a:fld id="{1BEE6E6E-C671-4232-A7A8-0D4A0E1E9D2D}" type="datetime1">
               <a:rPr lang="en-US" altLang="zh-TW" smtClean="0"/>
-              <a:t>5/31/2025</a:t>
+              <a:t>6/2/2025</a:t>
             </a:fld>
             <a:endParaRPr lang="en-US"/>
           </a:p>
@@ -4462,7 +4462,7 @@
           <a:p>
             <a:fld id="{EAE842BA-AFF4-4275-B8BA-26DCF25A80E7}" type="datetime1">
               <a:rPr lang="en-US" altLang="zh-TW" smtClean="0"/>
-              <a:t>5/31/2025</a:t>
+              <a:t>6/2/2025</a:t>
             </a:fld>
             <a:endParaRPr lang="en-US"/>
           </a:p>
@@ -4615,7 +4615,7 @@
           <a:p>
             <a:fld id="{62490CA7-442F-440E-9665-6EDD192AD4DB}" type="datetime1">
               <a:rPr lang="en-US" altLang="zh-TW" smtClean="0"/>
-              <a:t>5/31/2025</a:t>
+              <a:t>6/2/2025</a:t>
             </a:fld>
             <a:endParaRPr lang="en-US"/>
           </a:p>
@@ -13282,57 +13282,6 @@
           <a:bodyPr/>
           <a:lstStyle/>
           <a:p>
-            <a:pPr marL="425450" indent="-285750" algn="l">
-              <a:buFont typeface="Arial" panose="020B0604020202020204" pitchFamily="34" charset="0"/>
-              <a:buChar char="•"/>
-            </a:pPr>
-            <a:r>
-              <a:rPr lang="en-US" altLang="zh-TW" b="1" dirty="0"/>
-              <a:t>We compare our model with </a:t>
-            </a:r>
-          </a:p>
-          <a:p>
-            <a:pPr marL="482600" indent="-342900" algn="l">
-              <a:buAutoNum type="arabicPeriod"/>
-            </a:pPr>
-            <a:r>
-              <a:rPr lang="en-US" altLang="zh-TW" b="1" dirty="0" err="1"/>
-              <a:t>Sumamarisation</a:t>
-            </a:r>
-            <a:r>
-              <a:rPr lang="en-US" altLang="zh-TW" b="1" dirty="0"/>
-              <a:t> tool</a:t>
-            </a:r>
-          </a:p>
-          <a:p>
-            <a:pPr marL="482600" indent="-342900" algn="l">
-              <a:buAutoNum type="arabicPeriod"/>
-            </a:pPr>
-            <a:r>
-              <a:rPr lang="en-US" altLang="zh-TW" b="1" dirty="0"/>
-              <a:t>LLM </a:t>
-            </a:r>
-            <a:r>
-              <a:rPr lang="en-US" altLang="zh-TW" b="1" dirty="0" err="1"/>
-              <a:t>Summarisation</a:t>
-            </a:r>
-            <a:endParaRPr lang="en-US" altLang="zh-TW" b="1" dirty="0"/>
-          </a:p>
-          <a:p>
-            <a:pPr marL="482600" indent="-342900" algn="l">
-              <a:buAutoNum type="arabicPeriod"/>
-            </a:pPr>
-            <a:r>
-              <a:rPr lang="en-US" altLang="zh-TW" b="1" dirty="0"/>
-              <a:t>Multi Agent </a:t>
-            </a:r>
-            <a:r>
-              <a:rPr lang="en-US" altLang="zh-TW" b="1" dirty="0" err="1"/>
-              <a:t>Sumamrisation</a:t>
-            </a:r>
-            <a:endParaRPr lang="en-US" altLang="zh-TW" b="1" dirty="0"/>
-          </a:p>
-          <a:p>
             <a:pPr marL="139700" indent="0" algn="l"/>
             <a:endParaRPr lang="en-US" altLang="zh-TW" b="1" dirty="0"/>
           </a:p>
@@ -13596,10 +13545,10 @@
       </p:sp>
       <p:pic>
         <p:nvPicPr>
-          <p:cNvPr id="12" name="Picture 11">
+          <p:cNvPr id="9" name="Picture 8">
             <a:extLst>
               <a:ext uri="{FF2B5EF4-FFF2-40B4-BE49-F238E27FC236}">
-                <a16:creationId xmlns:a16="http://schemas.microsoft.com/office/drawing/2014/main" id="{32BDDF1D-D8D4-41A5-A2C0-E7A4B4AFCAF1}"/>
+                <a16:creationId xmlns:a16="http://schemas.microsoft.com/office/drawing/2014/main" id="{86B1F39A-2FD0-40C7-B974-9FF49EF57AFA}"/>
               </a:ext>
             </a:extLst>
           </p:cNvPr>
@@ -13616,8 +13565,8 @@
         </p:blipFill>
         <p:spPr>
           <a:xfrm>
-            <a:off x="630004" y="631154"/>
-            <a:ext cx="7735147" cy="4109018"/>
+            <a:off x="507516" y="477658"/>
+            <a:ext cx="8128968" cy="3996601"/>
           </a:xfrm>
           <a:prstGeom prst="rect">
             <a:avLst/>
@@ -13718,15 +13667,25 @@
             <a:pPr marL="139700" indent="0" algn="l"/>
             <a:r>
               <a:rPr lang="en-IN" altLang="zh-TW" dirty="0"/>
-              <a:t>You can check the code on the </a:t>
-            </a:r>
-            <a:r>
-              <a:rPr lang="en-IN" altLang="zh-TW" dirty="0" err="1"/>
-              <a:t>Github</a:t>
-            </a:r>
+              <a:t>You can check the code on the GitHub and use it on your own system</a:t>
+            </a:r>
+          </a:p>
+          <a:p>
+            <a:pPr marL="139700" indent="0" algn="l"/>
+            <a:endParaRPr lang="en-IN" altLang="zh-TW" dirty="0"/>
+          </a:p>
+          <a:p>
+            <a:pPr marL="139700" indent="0" algn="l"/>
             <a:r>
               <a:rPr lang="en-IN" altLang="zh-TW" dirty="0"/>
-              <a:t> and use it on your own system</a:t>
+              <a:t>You can also check the video </a:t>
+            </a:r>
+          </a:p>
+          <a:p>
+            <a:pPr marL="139700" indent="0" algn="l"/>
+            <a:r>
+              <a:rPr lang="en-IN" altLang="zh-TW" dirty="0"/>
+              <a:t>on YouTube</a:t>
             </a:r>
             <a:endParaRPr lang="en-US" altLang="zh-TW" dirty="0"/>
           </a:p>
@@ -14011,8 +13970,39 @@
         </p:blipFill>
         <p:spPr>
           <a:xfrm>
-            <a:off x="1869440" y="1110416"/>
-            <a:ext cx="7274560" cy="3961309"/>
+            <a:off x="3525991" y="1156040"/>
+            <a:ext cx="5618009" cy="3059246"/>
+          </a:xfrm>
+          <a:prstGeom prst="rect">
+            <a:avLst/>
+          </a:prstGeom>
+        </p:spPr>
+      </p:pic>
+      <p:pic>
+        <p:nvPicPr>
+          <p:cNvPr id="10" name="Picture 9">
+            <a:hlinkClick r:id="rId4"/>
+            <a:extLst>
+              <a:ext uri="{FF2B5EF4-FFF2-40B4-BE49-F238E27FC236}">
+                <a16:creationId xmlns:a16="http://schemas.microsoft.com/office/drawing/2014/main" id="{4FE0BA1D-C127-4781-AD62-20674F10E0B1}"/>
+              </a:ext>
+            </a:extLst>
+          </p:cNvPr>
+          <p:cNvPicPr>
+            <a:picLocks noChangeAspect="1"/>
+          </p:cNvPicPr>
+          <p:nvPr/>
+        </p:nvPicPr>
+        <p:blipFill>
+          <a:blip r:embed="rId5"/>
+          <a:stretch>
+            <a:fillRect/>
+          </a:stretch>
+        </p:blipFill>
+        <p:spPr>
+          <a:xfrm>
+            <a:off x="308496" y="2222177"/>
+            <a:ext cx="3989493" cy="2224012"/>
           </a:xfrm>
           <a:prstGeom prst="rect">
             <a:avLst/>
